--- a/Load Data Faster.pptx
+++ b/Load Data Faster.pptx
@@ -10,11 +10,13 @@
     <p:sldId id="258" r:id="rId4"/>
     <p:sldId id="372" r:id="rId5"/>
     <p:sldId id="358" r:id="rId6"/>
-    <p:sldId id="378" r:id="rId7"/>
-    <p:sldId id="375" r:id="rId8"/>
-    <p:sldId id="376" r:id="rId9"/>
-    <p:sldId id="373" r:id="rId10"/>
-    <p:sldId id="262" r:id="rId11"/>
+    <p:sldId id="382" r:id="rId7"/>
+    <p:sldId id="378" r:id="rId8"/>
+    <p:sldId id="380" r:id="rId9"/>
+    <p:sldId id="375" r:id="rId10"/>
+    <p:sldId id="376" r:id="rId11"/>
+    <p:sldId id="262" r:id="rId12"/>
+    <p:sldId id="381" r:id="rId13"/>
   </p:sldIdLst>
   <p:sldSz cx="12192000" cy="6858000"/>
   <p:notesSz cx="6858000" cy="9144000"/>
@@ -121,14 +123,6 @@
 </p:presentation>
 </file>
 
-<file path=ppt/revisionInfo.xml><?xml version="1.0" encoding="utf-8"?>
-<p1510:revInfo xmlns:a="http://schemas.openxmlformats.org/drawingml/2006/main" xmlns:r="http://schemas.openxmlformats.org/officeDocument/2006/relationships" xmlns:p1510="http://schemas.microsoft.com/office/powerpoint/2015/10/main">
-  <p1510:revLst>
-    <p1510:client id="{2DE352AC-532F-4883-872F-199C3C4B6750}" v="296" dt="2025-02-05T17:56:33.151"/>
-  </p1510:revLst>
-</p1510:revInfo>
-</file>
-
 <file path=ppt/slideLayouts/slideLayout1.xml><?xml version="1.0" encoding="utf-8"?>
 <p:sldLayout xmlns:a="http://schemas.openxmlformats.org/drawingml/2006/main" xmlns:r="http://schemas.openxmlformats.org/officeDocument/2006/relationships" xmlns:p="http://schemas.openxmlformats.org/presentationml/2006/main" type="title" preserve="1">
   <p:cSld name="Title Slide">
@@ -276,7 +270,7 @@
           <a:p>
             <a:fld id="{9F8A58B4-71A2-4453-A103-3C9DC4A8C0DA}" type="datetimeFigureOut">
               <a:rPr lang="en-US" smtClean="0"/>
-              <a:t>2/2/2025</a:t>
+              <a:t>2/5/2025</a:t>
             </a:fld>
             <a:endParaRPr lang="en-US"/>
           </a:p>
@@ -474,7 +468,7 @@
           <a:p>
             <a:fld id="{9F8A58B4-71A2-4453-A103-3C9DC4A8C0DA}" type="datetimeFigureOut">
               <a:rPr lang="en-US" smtClean="0"/>
-              <a:t>2/2/2025</a:t>
+              <a:t>2/5/2025</a:t>
             </a:fld>
             <a:endParaRPr lang="en-US"/>
           </a:p>
@@ -682,7 +676,7 @@
           <a:p>
             <a:fld id="{9F8A58B4-71A2-4453-A103-3C9DC4A8C0DA}" type="datetimeFigureOut">
               <a:rPr lang="en-US" smtClean="0"/>
-              <a:t>2/2/2025</a:t>
+              <a:t>2/5/2025</a:t>
             </a:fld>
             <a:endParaRPr lang="en-US"/>
           </a:p>
@@ -880,7 +874,7 @@
           <a:p>
             <a:fld id="{9F8A58B4-71A2-4453-A103-3C9DC4A8C0DA}" type="datetimeFigureOut">
               <a:rPr lang="en-US" smtClean="0"/>
-              <a:t>2/2/2025</a:t>
+              <a:t>2/5/2025</a:t>
             </a:fld>
             <a:endParaRPr lang="en-US"/>
           </a:p>
@@ -1155,7 +1149,7 @@
           <a:p>
             <a:fld id="{9F8A58B4-71A2-4453-A103-3C9DC4A8C0DA}" type="datetimeFigureOut">
               <a:rPr lang="en-US" smtClean="0"/>
-              <a:t>2/2/2025</a:t>
+              <a:t>2/5/2025</a:t>
             </a:fld>
             <a:endParaRPr lang="en-US"/>
           </a:p>
@@ -1420,7 +1414,7 @@
           <a:p>
             <a:fld id="{9F8A58B4-71A2-4453-A103-3C9DC4A8C0DA}" type="datetimeFigureOut">
               <a:rPr lang="en-US" smtClean="0"/>
-              <a:t>2/2/2025</a:t>
+              <a:t>2/5/2025</a:t>
             </a:fld>
             <a:endParaRPr lang="en-US"/>
           </a:p>
@@ -1832,7 +1826,7 @@
           <a:p>
             <a:fld id="{9F8A58B4-71A2-4453-A103-3C9DC4A8C0DA}" type="datetimeFigureOut">
               <a:rPr lang="en-US" smtClean="0"/>
-              <a:t>2/2/2025</a:t>
+              <a:t>2/5/2025</a:t>
             </a:fld>
             <a:endParaRPr lang="en-US"/>
           </a:p>
@@ -1973,7 +1967,7 @@
           <a:p>
             <a:fld id="{9F8A58B4-71A2-4453-A103-3C9DC4A8C0DA}" type="datetimeFigureOut">
               <a:rPr lang="en-US" smtClean="0"/>
-              <a:t>2/2/2025</a:t>
+              <a:t>2/5/2025</a:t>
             </a:fld>
             <a:endParaRPr lang="en-US"/>
           </a:p>
@@ -2086,7 +2080,7 @@
           <a:p>
             <a:fld id="{9F8A58B4-71A2-4453-A103-3C9DC4A8C0DA}" type="datetimeFigureOut">
               <a:rPr lang="en-US" smtClean="0"/>
-              <a:t>2/2/2025</a:t>
+              <a:t>2/5/2025</a:t>
             </a:fld>
             <a:endParaRPr lang="en-US"/>
           </a:p>
@@ -2397,7 +2391,7 @@
           <a:p>
             <a:fld id="{9F8A58B4-71A2-4453-A103-3C9DC4A8C0DA}" type="datetimeFigureOut">
               <a:rPr lang="en-US" smtClean="0"/>
-              <a:t>2/2/2025</a:t>
+              <a:t>2/5/2025</a:t>
             </a:fld>
             <a:endParaRPr lang="en-US"/>
           </a:p>
@@ -2685,7 +2679,7 @@
           <a:p>
             <a:fld id="{9F8A58B4-71A2-4453-A103-3C9DC4A8C0DA}" type="datetimeFigureOut">
               <a:rPr lang="en-US" smtClean="0"/>
-              <a:t>2/2/2025</a:t>
+              <a:t>2/5/2025</a:t>
             </a:fld>
             <a:endParaRPr lang="en-US"/>
           </a:p>
@@ -2926,7 +2920,7 @@
           <a:p>
             <a:fld id="{9F8A58B4-71A2-4453-A103-3C9DC4A8C0DA}" type="datetimeFigureOut">
               <a:rPr lang="en-US" smtClean="0"/>
-              <a:t>2/2/2025</a:t>
+              <a:t>2/5/2025</a:t>
             </a:fld>
             <a:endParaRPr lang="en-US"/>
           </a:p>
@@ -3491,7 +3485,7 @@
           <p:cNvPr id="2" name="Title 1">
             <a:extLst>
               <a:ext uri="{FF2B5EF4-FFF2-40B4-BE49-F238E27FC236}">
-                <a16:creationId xmlns:a16="http://schemas.microsoft.com/office/drawing/2014/main" id="{44AB75E9-760F-2C26-4914-FFFC997FF29E}"/>
+                <a16:creationId xmlns:a16="http://schemas.microsoft.com/office/drawing/2014/main" id="{63D0AFE4-FCE7-B5D0-2DC2-B445F44091AC}"/>
               </a:ext>
             </a:extLst>
           </p:cNvPr>
@@ -3510,7 +3504,366 @@
           <a:lstStyle/>
           <a:p>
             <a:r>
+              <a:rPr lang="en-US" sz="6000" b="1" dirty="0">
+                <a:solidFill>
+                  <a:schemeClr val="accent2"/>
+                </a:solidFill>
+              </a:rPr>
+              <a:t>STAY AWAY</a:t>
+            </a:r>
+            <a:endParaRPr lang="en-US" sz="6000" dirty="0"/>
+          </a:p>
+        </p:txBody>
+      </p:sp>
+      <p:sp>
+        <p:nvSpPr>
+          <p:cNvPr id="3" name="Content Placeholder 2">
+            <a:extLst>
+              <a:ext uri="{FF2B5EF4-FFF2-40B4-BE49-F238E27FC236}">
+                <a16:creationId xmlns:a16="http://schemas.microsoft.com/office/drawing/2014/main" id="{BFA36379-C796-2CFE-6DAC-A9E562618B9A}"/>
+              </a:ext>
+            </a:extLst>
+          </p:cNvPr>
+          <p:cNvSpPr>
+            <a:spLocks noGrp="1"/>
+          </p:cNvSpPr>
+          <p:nvPr>
+            <p:ph idx="1"/>
+          </p:nvPr>
+        </p:nvSpPr>
+        <p:spPr/>
+        <p:txBody>
+          <a:bodyPr/>
+          <a:lstStyle/>
+          <a:p>
+            <a:r>
+              <a:rPr lang="en-US" dirty="0"/>
+              <a:t>TABLOCK hint should </a:t>
+            </a:r>
+            <a:r>
               <a:rPr lang="en-US" b="1" dirty="0">
+                <a:solidFill>
+                  <a:schemeClr val="accent2"/>
+                </a:solidFill>
+                <a:latin typeface="+mj-lt"/>
+                <a:ea typeface="+mj-ea"/>
+                <a:cs typeface="+mj-cs"/>
+              </a:rPr>
+              <a:t>NOT</a:t>
+            </a:r>
+            <a:r>
+              <a:rPr lang="en-US" dirty="0"/>
+              <a:t> be used </a:t>
+            </a:r>
+          </a:p>
+          <a:p>
+            <a:pPr lvl="1"/>
+            <a:r>
+              <a:rPr lang="en-US" dirty="0"/>
+              <a:t>When concurrency is important</a:t>
+            </a:r>
+          </a:p>
+          <a:p>
+            <a:pPr lvl="1"/>
+            <a:r>
+              <a:rPr lang="en-US" dirty="0"/>
+              <a:t>Highly volatile tables in OLTP</a:t>
+            </a:r>
+          </a:p>
+          <a:p>
+            <a:pPr lvl="1"/>
+            <a:r>
+              <a:rPr lang="en-US" dirty="0"/>
+              <a:t>Clustered and non-clustered indexes on tables</a:t>
+            </a:r>
+          </a:p>
+          <a:p>
+            <a:pPr marL="457200" lvl="1" indent="0">
+              <a:buNone/>
+            </a:pPr>
+            <a:endParaRPr lang="en-US" dirty="0"/>
+          </a:p>
+          <a:p>
+            <a:pPr lvl="1"/>
+            <a:endParaRPr lang="en-US" dirty="0"/>
+          </a:p>
+        </p:txBody>
+      </p:sp>
+    </p:spTree>
+    <p:extLst>
+      <p:ext uri="{BB962C8B-B14F-4D97-AF65-F5344CB8AC3E}">
+        <p14:creationId xmlns:p14="http://schemas.microsoft.com/office/powerpoint/2010/main" val="3344579723"/>
+      </p:ext>
+    </p:extLst>
+  </p:cSld>
+  <p:clrMapOvr>
+    <a:masterClrMapping/>
+  </p:clrMapOvr>
+  <p:timing>
+    <p:tnLst>
+      <p:par>
+        <p:cTn id="1" dur="indefinite" restart="never" nodeType="tmRoot">
+          <p:childTnLst>
+            <p:seq concurrent="1" nextAc="seek">
+              <p:cTn id="2" dur="indefinite" nodeType="mainSeq">
+                <p:childTnLst>
+                  <p:par>
+                    <p:cTn id="3" fill="hold">
+                      <p:stCondLst>
+                        <p:cond delay="indefinite"/>
+                      </p:stCondLst>
+                      <p:childTnLst>
+                        <p:par>
+                          <p:cTn id="4" fill="hold">
+                            <p:stCondLst>
+                              <p:cond delay="0"/>
+                            </p:stCondLst>
+                            <p:childTnLst>
+                              <p:par>
+                                <p:cTn id="5" presetID="10" presetClass="entr" presetSubtype="0" fill="hold" nodeType="clickEffect">
+                                  <p:stCondLst>
+                                    <p:cond delay="0"/>
+                                  </p:stCondLst>
+                                  <p:childTnLst>
+                                    <p:set>
+                                      <p:cBhvr>
+                                        <p:cTn id="6" dur="1" fill="hold">
+                                          <p:stCondLst>
+                                            <p:cond delay="0"/>
+                                          </p:stCondLst>
+                                        </p:cTn>
+                                        <p:tgtEl>
+                                          <p:spTgt spid="3">
+                                            <p:txEl>
+                                              <p:pRg st="0" end="0"/>
+                                            </p:txEl>
+                                          </p:spTgt>
+                                        </p:tgtEl>
+                                        <p:attrNameLst>
+                                          <p:attrName>style.visibility</p:attrName>
+                                        </p:attrNameLst>
+                                      </p:cBhvr>
+                                      <p:to>
+                                        <p:strVal val="visible"/>
+                                      </p:to>
+                                    </p:set>
+                                    <p:animEffect transition="in" filter="fade">
+                                      <p:cBhvr>
+                                        <p:cTn id="7" dur="500"/>
+                                        <p:tgtEl>
+                                          <p:spTgt spid="3">
+                                            <p:txEl>
+                                              <p:pRg st="0" end="0"/>
+                                            </p:txEl>
+                                          </p:spTgt>
+                                        </p:tgtEl>
+                                      </p:cBhvr>
+                                    </p:animEffect>
+                                  </p:childTnLst>
+                                </p:cTn>
+                              </p:par>
+                              <p:par>
+                                <p:cTn id="8" presetID="10" presetClass="entr" presetSubtype="0" fill="hold" nodeType="withEffect">
+                                  <p:stCondLst>
+                                    <p:cond delay="0"/>
+                                  </p:stCondLst>
+                                  <p:childTnLst>
+                                    <p:set>
+                                      <p:cBhvr>
+                                        <p:cTn id="9" dur="1" fill="hold">
+                                          <p:stCondLst>
+                                            <p:cond delay="0"/>
+                                          </p:stCondLst>
+                                        </p:cTn>
+                                        <p:tgtEl>
+                                          <p:spTgt spid="3">
+                                            <p:txEl>
+                                              <p:pRg st="1" end="1"/>
+                                            </p:txEl>
+                                          </p:spTgt>
+                                        </p:tgtEl>
+                                        <p:attrNameLst>
+                                          <p:attrName>style.visibility</p:attrName>
+                                        </p:attrNameLst>
+                                      </p:cBhvr>
+                                      <p:to>
+                                        <p:strVal val="visible"/>
+                                      </p:to>
+                                    </p:set>
+                                    <p:animEffect transition="in" filter="fade">
+                                      <p:cBhvr>
+                                        <p:cTn id="10" dur="500"/>
+                                        <p:tgtEl>
+                                          <p:spTgt spid="3">
+                                            <p:txEl>
+                                              <p:pRg st="1" end="1"/>
+                                            </p:txEl>
+                                          </p:spTgt>
+                                        </p:tgtEl>
+                                      </p:cBhvr>
+                                    </p:animEffect>
+                                  </p:childTnLst>
+                                </p:cTn>
+                              </p:par>
+                              <p:par>
+                                <p:cTn id="11" presetID="10" presetClass="entr" presetSubtype="0" fill="hold" nodeType="withEffect">
+                                  <p:stCondLst>
+                                    <p:cond delay="0"/>
+                                  </p:stCondLst>
+                                  <p:childTnLst>
+                                    <p:set>
+                                      <p:cBhvr>
+                                        <p:cTn id="12" dur="1" fill="hold">
+                                          <p:stCondLst>
+                                            <p:cond delay="0"/>
+                                          </p:stCondLst>
+                                        </p:cTn>
+                                        <p:tgtEl>
+                                          <p:spTgt spid="3">
+                                            <p:txEl>
+                                              <p:pRg st="2" end="2"/>
+                                            </p:txEl>
+                                          </p:spTgt>
+                                        </p:tgtEl>
+                                        <p:attrNameLst>
+                                          <p:attrName>style.visibility</p:attrName>
+                                        </p:attrNameLst>
+                                      </p:cBhvr>
+                                      <p:to>
+                                        <p:strVal val="visible"/>
+                                      </p:to>
+                                    </p:set>
+                                    <p:animEffect transition="in" filter="fade">
+                                      <p:cBhvr>
+                                        <p:cTn id="13" dur="500"/>
+                                        <p:tgtEl>
+                                          <p:spTgt spid="3">
+                                            <p:txEl>
+                                              <p:pRg st="2" end="2"/>
+                                            </p:txEl>
+                                          </p:spTgt>
+                                        </p:tgtEl>
+                                      </p:cBhvr>
+                                    </p:animEffect>
+                                  </p:childTnLst>
+                                </p:cTn>
+                              </p:par>
+                              <p:par>
+                                <p:cTn id="14" presetID="10" presetClass="entr" presetSubtype="0" fill="hold" nodeType="withEffect">
+                                  <p:stCondLst>
+                                    <p:cond delay="0"/>
+                                  </p:stCondLst>
+                                  <p:childTnLst>
+                                    <p:set>
+                                      <p:cBhvr>
+                                        <p:cTn id="15" dur="1" fill="hold">
+                                          <p:stCondLst>
+                                            <p:cond delay="0"/>
+                                          </p:stCondLst>
+                                        </p:cTn>
+                                        <p:tgtEl>
+                                          <p:spTgt spid="3">
+                                            <p:txEl>
+                                              <p:pRg st="3" end="3"/>
+                                            </p:txEl>
+                                          </p:spTgt>
+                                        </p:tgtEl>
+                                        <p:attrNameLst>
+                                          <p:attrName>style.visibility</p:attrName>
+                                        </p:attrNameLst>
+                                      </p:cBhvr>
+                                      <p:to>
+                                        <p:strVal val="visible"/>
+                                      </p:to>
+                                    </p:set>
+                                    <p:animEffect transition="in" filter="fade">
+                                      <p:cBhvr>
+                                        <p:cTn id="16" dur="500"/>
+                                        <p:tgtEl>
+                                          <p:spTgt spid="3">
+                                            <p:txEl>
+                                              <p:pRg st="3" end="3"/>
+                                            </p:txEl>
+                                          </p:spTgt>
+                                        </p:tgtEl>
+                                      </p:cBhvr>
+                                    </p:animEffect>
+                                  </p:childTnLst>
+                                </p:cTn>
+                              </p:par>
+                            </p:childTnLst>
+                          </p:cTn>
+                        </p:par>
+                      </p:childTnLst>
+                    </p:cTn>
+                  </p:par>
+                </p:childTnLst>
+              </p:cTn>
+              <p:prevCondLst>
+                <p:cond evt="onPrev" delay="0">
+                  <p:tgtEl>
+                    <p:sldTgt/>
+                  </p:tgtEl>
+                </p:cond>
+              </p:prevCondLst>
+              <p:nextCondLst>
+                <p:cond evt="onNext" delay="0">
+                  <p:tgtEl>
+                    <p:sldTgt/>
+                  </p:tgtEl>
+                </p:cond>
+              </p:nextCondLst>
+            </p:seq>
+          </p:childTnLst>
+        </p:cTn>
+      </p:par>
+    </p:tnLst>
+  </p:timing>
+</p:sld>
+</file>
+
+<file path=ppt/slides/slide11.xml><?xml version="1.0" encoding="utf-8"?>
+<p:sld xmlns:a="http://schemas.openxmlformats.org/drawingml/2006/main" xmlns:r="http://schemas.openxmlformats.org/officeDocument/2006/relationships" xmlns:p="http://schemas.openxmlformats.org/presentationml/2006/main">
+  <p:cSld>
+    <p:spTree>
+      <p:nvGrpSpPr>
+        <p:cNvPr id="1" name=""/>
+        <p:cNvGrpSpPr/>
+        <p:nvPr/>
+      </p:nvGrpSpPr>
+      <p:grpSpPr>
+        <a:xfrm>
+          <a:off x="0" y="0"/>
+          <a:ext cx="0" cy="0"/>
+          <a:chOff x="0" y="0"/>
+          <a:chExt cx="0" cy="0"/>
+        </a:xfrm>
+      </p:grpSpPr>
+      <p:sp>
+        <p:nvSpPr>
+          <p:cNvPr id="2" name="Title 1">
+            <a:extLst>
+              <a:ext uri="{FF2B5EF4-FFF2-40B4-BE49-F238E27FC236}">
+                <a16:creationId xmlns:a16="http://schemas.microsoft.com/office/drawing/2014/main" id="{44AB75E9-760F-2C26-4914-FFFC997FF29E}"/>
+              </a:ext>
+            </a:extLst>
+          </p:cNvPr>
+          <p:cNvSpPr>
+            <a:spLocks noGrp="1"/>
+          </p:cNvSpPr>
+          <p:nvPr>
+            <p:ph type="title"/>
+          </p:nvPr>
+        </p:nvSpPr>
+        <p:spPr/>
+        <p:txBody>
+          <a:bodyPr>
+            <a:normAutofit/>
+          </a:bodyPr>
+          <a:lstStyle/>
+          <a:p>
+            <a:r>
+              <a:rPr lang="en-US" sz="6000" b="1" dirty="0">
                 <a:solidFill>
                   <a:schemeClr val="accent2"/>
                 </a:solidFill>
@@ -3596,6 +3949,607 @@
     <p:extLst>
       <p:ext uri="{BB962C8B-B14F-4D97-AF65-F5344CB8AC3E}">
         <p14:creationId xmlns:p14="http://schemas.microsoft.com/office/powerpoint/2010/main" val="3802271106"/>
+      </p:ext>
+    </p:extLst>
+  </p:cSld>
+  <p:clrMapOvr>
+    <a:masterClrMapping/>
+  </p:clrMapOvr>
+</p:sld>
+</file>
+
+<file path=ppt/slides/slide12.xml><?xml version="1.0" encoding="utf-8"?>
+<p:sld xmlns:a="http://schemas.openxmlformats.org/drawingml/2006/main" xmlns:r="http://schemas.openxmlformats.org/officeDocument/2006/relationships" xmlns:p="http://schemas.openxmlformats.org/presentationml/2006/main">
+  <p:cSld>
+    <p:spTree>
+      <p:nvGrpSpPr>
+        <p:cNvPr id="1" name=""/>
+        <p:cNvGrpSpPr/>
+        <p:nvPr/>
+      </p:nvGrpSpPr>
+      <p:grpSpPr>
+        <a:xfrm>
+          <a:off x="0" y="0"/>
+          <a:ext cx="0" cy="0"/>
+          <a:chOff x="0" y="0"/>
+          <a:chExt cx="0" cy="0"/>
+        </a:xfrm>
+      </p:grpSpPr>
+      <p:sp>
+        <p:nvSpPr>
+          <p:cNvPr id="3" name="Content Placeholder 2">
+            <a:extLst>
+              <a:ext uri="{FF2B5EF4-FFF2-40B4-BE49-F238E27FC236}">
+                <a16:creationId xmlns:a16="http://schemas.microsoft.com/office/drawing/2014/main" id="{6A873971-3A7C-8C15-3B6D-21E68DA1CA4D}"/>
+              </a:ext>
+            </a:extLst>
+          </p:cNvPr>
+          <p:cNvSpPr>
+            <a:spLocks noGrp="1"/>
+          </p:cNvSpPr>
+          <p:nvPr>
+            <p:ph idx="1"/>
+          </p:nvPr>
+        </p:nvSpPr>
+        <p:spPr>
+          <a:xfrm>
+            <a:off x="838200" y="226142"/>
+            <a:ext cx="10515600" cy="5950821"/>
+          </a:xfrm>
+        </p:spPr>
+        <p:txBody>
+          <a:bodyPr/>
+          <a:lstStyle/>
+          <a:p>
+            <a:pPr marL="0" indent="0">
+              <a:buNone/>
+            </a:pPr>
+            <a:endParaRPr lang="en-US" sz="4400" b="1" dirty="0">
+              <a:solidFill>
+                <a:schemeClr val="accent2"/>
+              </a:solidFill>
+              <a:latin typeface="+mj-lt"/>
+              <a:ea typeface="+mj-ea"/>
+              <a:cs typeface="+mj-cs"/>
+            </a:endParaRPr>
+          </a:p>
+          <a:p>
+            <a:pPr marL="0" indent="0">
+              <a:buNone/>
+            </a:pPr>
+            <a:r>
+              <a:rPr lang="en-US" sz="5400" b="1" dirty="0">
+                <a:solidFill>
+                  <a:schemeClr val="accent2"/>
+                </a:solidFill>
+                <a:latin typeface="+mj-lt"/>
+                <a:ea typeface="+mj-ea"/>
+                <a:cs typeface="+mj-cs"/>
+              </a:rPr>
+              <a:t>Questions?</a:t>
+            </a:r>
+          </a:p>
+          <a:p>
+            <a:pPr marL="0" indent="0">
+              <a:buNone/>
+            </a:pPr>
+            <a:endParaRPr lang="en-US" sz="5400" dirty="0"/>
+          </a:p>
+          <a:p>
+            <a:pPr marL="0" indent="0">
+              <a:buNone/>
+            </a:pPr>
+            <a:r>
+              <a:rPr lang="en-US" sz="5400" b="1" dirty="0">
+                <a:solidFill>
+                  <a:schemeClr val="accent2"/>
+                </a:solidFill>
+                <a:latin typeface="+mj-lt"/>
+                <a:ea typeface="+mj-ea"/>
+                <a:cs typeface="+mj-cs"/>
+              </a:rPr>
+              <a:t>Thank</a:t>
+            </a:r>
+            <a:r>
+              <a:rPr lang="en-US" sz="5400" dirty="0"/>
+              <a:t> </a:t>
+            </a:r>
+            <a:r>
+              <a:rPr lang="en-US" sz="5400" b="1" dirty="0">
+                <a:solidFill>
+                  <a:schemeClr val="accent2"/>
+                </a:solidFill>
+                <a:latin typeface="+mj-lt"/>
+                <a:ea typeface="+mj-ea"/>
+                <a:cs typeface="+mj-cs"/>
+              </a:rPr>
+              <a:t>you!</a:t>
+            </a:r>
+          </a:p>
+          <a:p>
+            <a:pPr marL="0" indent="0">
+              <a:buNone/>
+            </a:pPr>
+            <a:endParaRPr lang="en-US" sz="4400" b="1" dirty="0">
+              <a:solidFill>
+                <a:schemeClr val="accent2"/>
+              </a:solidFill>
+              <a:latin typeface="+mj-lt"/>
+              <a:ea typeface="+mj-ea"/>
+              <a:cs typeface="+mj-cs"/>
+            </a:endParaRPr>
+          </a:p>
+          <a:p>
+            <a:pPr marL="0" indent="0">
+              <a:buNone/>
+            </a:pPr>
+            <a:endParaRPr lang="en-US" dirty="0"/>
+          </a:p>
+        </p:txBody>
+      </p:sp>
+      <p:sp>
+        <p:nvSpPr>
+          <p:cNvPr id="10" name="Content Placeholder 3">
+            <a:extLst>
+              <a:ext uri="{FF2B5EF4-FFF2-40B4-BE49-F238E27FC236}">
+                <a16:creationId xmlns:a16="http://schemas.microsoft.com/office/drawing/2014/main" id="{72C38208-668E-DF61-BEA2-2F58D72662F2}"/>
+              </a:ext>
+            </a:extLst>
+          </p:cNvPr>
+          <p:cNvSpPr txBox="1">
+            <a:spLocks/>
+          </p:cNvSpPr>
+          <p:nvPr/>
+        </p:nvSpPr>
+        <p:spPr>
+          <a:xfrm>
+            <a:off x="1001769" y="3201552"/>
+            <a:ext cx="8275841" cy="2859080"/>
+          </a:xfrm>
+          <a:prstGeom prst="rect">
+            <a:avLst/>
+          </a:prstGeom>
+        </p:spPr>
+        <p:txBody>
+          <a:bodyPr vert="horz" lIns="91440" tIns="45720" rIns="91440" bIns="45720" rtlCol="0">
+            <a:normAutofit lnSpcReduction="10000"/>
+          </a:bodyPr>
+          <a:lstStyle>
+            <a:lvl1pPr marL="228600" indent="-228600" algn="l" defTabSz="914400" rtl="0" eaLnBrk="1" latinLnBrk="0" hangingPunct="1">
+              <a:lnSpc>
+                <a:spcPct val="90000"/>
+              </a:lnSpc>
+              <a:spcBef>
+                <a:spcPts val="1000"/>
+              </a:spcBef>
+              <a:buFont typeface="Arial" panose="020B0604020202020204" pitchFamily="34" charset="0"/>
+              <a:buChar char="•"/>
+              <a:defRPr sz="2800" kern="1200">
+                <a:solidFill>
+                  <a:schemeClr val="tx1"/>
+                </a:solidFill>
+                <a:latin typeface="+mn-lt"/>
+                <a:ea typeface="+mn-ea"/>
+                <a:cs typeface="+mn-cs"/>
+              </a:defRPr>
+            </a:lvl1pPr>
+            <a:lvl2pPr marL="685800" indent="-228600" algn="l" defTabSz="914400" rtl="0" eaLnBrk="1" latinLnBrk="0" hangingPunct="1">
+              <a:lnSpc>
+                <a:spcPct val="90000"/>
+              </a:lnSpc>
+              <a:spcBef>
+                <a:spcPts val="500"/>
+              </a:spcBef>
+              <a:buFont typeface="Arial" panose="020B0604020202020204" pitchFamily="34" charset="0"/>
+              <a:buChar char="•"/>
+              <a:defRPr sz="2400" kern="1200">
+                <a:solidFill>
+                  <a:schemeClr val="tx1"/>
+                </a:solidFill>
+                <a:latin typeface="+mn-lt"/>
+                <a:ea typeface="+mn-ea"/>
+                <a:cs typeface="+mn-cs"/>
+              </a:defRPr>
+            </a:lvl2pPr>
+            <a:lvl3pPr marL="1143000" indent="-228600" algn="l" defTabSz="914400" rtl="0" eaLnBrk="1" latinLnBrk="0" hangingPunct="1">
+              <a:lnSpc>
+                <a:spcPct val="90000"/>
+              </a:lnSpc>
+              <a:spcBef>
+                <a:spcPts val="500"/>
+              </a:spcBef>
+              <a:buFont typeface="Arial" panose="020B0604020202020204" pitchFamily="34" charset="0"/>
+              <a:buChar char="•"/>
+              <a:defRPr sz="2000" kern="1200">
+                <a:solidFill>
+                  <a:schemeClr val="tx1"/>
+                </a:solidFill>
+                <a:latin typeface="+mn-lt"/>
+                <a:ea typeface="+mn-ea"/>
+                <a:cs typeface="+mn-cs"/>
+              </a:defRPr>
+            </a:lvl3pPr>
+            <a:lvl4pPr marL="1600200" indent="-228600" algn="l" defTabSz="914400" rtl="0" eaLnBrk="1" latinLnBrk="0" hangingPunct="1">
+              <a:lnSpc>
+                <a:spcPct val="90000"/>
+              </a:lnSpc>
+              <a:spcBef>
+                <a:spcPts val="500"/>
+              </a:spcBef>
+              <a:buFont typeface="Arial" panose="020B0604020202020204" pitchFamily="34" charset="0"/>
+              <a:buChar char="•"/>
+              <a:defRPr sz="1800" kern="1200">
+                <a:solidFill>
+                  <a:schemeClr val="tx1"/>
+                </a:solidFill>
+                <a:latin typeface="+mn-lt"/>
+                <a:ea typeface="+mn-ea"/>
+                <a:cs typeface="+mn-cs"/>
+              </a:defRPr>
+            </a:lvl4pPr>
+            <a:lvl5pPr marL="2057400" indent="-228600" algn="l" defTabSz="914400" rtl="0" eaLnBrk="1" latinLnBrk="0" hangingPunct="1">
+              <a:lnSpc>
+                <a:spcPct val="90000"/>
+              </a:lnSpc>
+              <a:spcBef>
+                <a:spcPts val="500"/>
+              </a:spcBef>
+              <a:buFont typeface="Arial" panose="020B0604020202020204" pitchFamily="34" charset="0"/>
+              <a:buChar char="•"/>
+              <a:defRPr sz="1800" kern="1200">
+                <a:solidFill>
+                  <a:schemeClr val="tx1"/>
+                </a:solidFill>
+                <a:latin typeface="+mn-lt"/>
+                <a:ea typeface="+mn-ea"/>
+                <a:cs typeface="+mn-cs"/>
+              </a:defRPr>
+            </a:lvl5pPr>
+            <a:lvl6pPr marL="2514600" indent="-228600" algn="l" defTabSz="914400" rtl="0" eaLnBrk="1" latinLnBrk="0" hangingPunct="1">
+              <a:lnSpc>
+                <a:spcPct val="90000"/>
+              </a:lnSpc>
+              <a:spcBef>
+                <a:spcPts val="500"/>
+              </a:spcBef>
+              <a:buFont typeface="Arial" panose="020B0604020202020204" pitchFamily="34" charset="0"/>
+              <a:buChar char="•"/>
+              <a:defRPr sz="1800" kern="1200">
+                <a:solidFill>
+                  <a:schemeClr val="tx1"/>
+                </a:solidFill>
+                <a:latin typeface="+mn-lt"/>
+                <a:ea typeface="+mn-ea"/>
+                <a:cs typeface="+mn-cs"/>
+              </a:defRPr>
+            </a:lvl6pPr>
+            <a:lvl7pPr marL="2971800" indent="-228600" algn="l" defTabSz="914400" rtl="0" eaLnBrk="1" latinLnBrk="0" hangingPunct="1">
+              <a:lnSpc>
+                <a:spcPct val="90000"/>
+              </a:lnSpc>
+              <a:spcBef>
+                <a:spcPts val="500"/>
+              </a:spcBef>
+              <a:buFont typeface="Arial" panose="020B0604020202020204" pitchFamily="34" charset="0"/>
+              <a:buChar char="•"/>
+              <a:defRPr sz="1800" kern="1200">
+                <a:solidFill>
+                  <a:schemeClr val="tx1"/>
+                </a:solidFill>
+                <a:latin typeface="+mn-lt"/>
+                <a:ea typeface="+mn-ea"/>
+                <a:cs typeface="+mn-cs"/>
+              </a:defRPr>
+            </a:lvl7pPr>
+            <a:lvl8pPr marL="3429000" indent="-228600" algn="l" defTabSz="914400" rtl="0" eaLnBrk="1" latinLnBrk="0" hangingPunct="1">
+              <a:lnSpc>
+                <a:spcPct val="90000"/>
+              </a:lnSpc>
+              <a:spcBef>
+                <a:spcPts val="500"/>
+              </a:spcBef>
+              <a:buFont typeface="Arial" panose="020B0604020202020204" pitchFamily="34" charset="0"/>
+              <a:buChar char="•"/>
+              <a:defRPr sz="1800" kern="1200">
+                <a:solidFill>
+                  <a:schemeClr val="tx1"/>
+                </a:solidFill>
+                <a:latin typeface="+mn-lt"/>
+                <a:ea typeface="+mn-ea"/>
+                <a:cs typeface="+mn-cs"/>
+              </a:defRPr>
+            </a:lvl8pPr>
+            <a:lvl9pPr marL="3886200" indent="-228600" algn="l" defTabSz="914400" rtl="0" eaLnBrk="1" latinLnBrk="0" hangingPunct="1">
+              <a:lnSpc>
+                <a:spcPct val="90000"/>
+              </a:lnSpc>
+              <a:spcBef>
+                <a:spcPts val="500"/>
+              </a:spcBef>
+              <a:buFont typeface="Arial" panose="020B0604020202020204" pitchFamily="34" charset="0"/>
+              <a:buChar char="•"/>
+              <a:defRPr sz="1800" kern="1200">
+                <a:solidFill>
+                  <a:schemeClr val="tx1"/>
+                </a:solidFill>
+                <a:latin typeface="+mn-lt"/>
+                <a:ea typeface="+mn-ea"/>
+                <a:cs typeface="+mn-cs"/>
+              </a:defRPr>
+            </a:lvl9pPr>
+          </a:lstStyle>
+          <a:p>
+            <a:pPr marL="457200" lvl="1" indent="0">
+              <a:buFont typeface="Arial" panose="020B0604020202020204" pitchFamily="34" charset="0"/>
+              <a:buNone/>
+            </a:pPr>
+            <a:endParaRPr lang="fr-FR" sz="2800" dirty="0">
+              <a:solidFill>
+                <a:schemeClr val="accent2">
+                  <a:lumMod val="75000"/>
+                </a:schemeClr>
+              </a:solidFill>
+            </a:endParaRPr>
+          </a:p>
+          <a:p>
+            <a:pPr marL="457200" lvl="1" indent="0">
+              <a:buFont typeface="Arial" panose="020B0604020202020204" pitchFamily="34" charset="0"/>
+              <a:buNone/>
+            </a:pPr>
+            <a:endParaRPr lang="fr-FR" sz="2800" dirty="0">
+              <a:solidFill>
+                <a:schemeClr val="accent2">
+                  <a:lumMod val="75000"/>
+                </a:schemeClr>
+              </a:solidFill>
+            </a:endParaRPr>
+          </a:p>
+          <a:p>
+            <a:pPr marL="457200" lvl="1" indent="0">
+              <a:buFont typeface="Arial" panose="020B0604020202020204" pitchFamily="34" charset="0"/>
+              <a:buNone/>
+            </a:pPr>
+            <a:endParaRPr lang="fr-FR" sz="2800" dirty="0">
+              <a:solidFill>
+                <a:schemeClr val="accent2">
+                  <a:lumMod val="75000"/>
+                </a:schemeClr>
+              </a:solidFill>
+            </a:endParaRPr>
+          </a:p>
+          <a:p>
+            <a:pPr marL="0" lvl="1" indent="0">
+              <a:spcBef>
+                <a:spcPts val="1000"/>
+              </a:spcBef>
+              <a:buNone/>
+            </a:pPr>
+            <a:r>
+              <a:rPr lang="fr-FR" sz="2800" dirty="0">
+                <a:solidFill>
+                  <a:schemeClr val="accent2">
+                    <a:lumMod val="75000"/>
+                  </a:schemeClr>
+                </a:solidFill>
+              </a:rPr>
+              <a:t> </a:t>
+            </a:r>
+            <a:r>
+              <a:rPr lang="fr-FR" sz="2800" dirty="0">
+                <a:solidFill>
+                  <a:schemeClr val="accent2"/>
+                </a:solidFill>
+                <a:latin typeface="+mj-lt"/>
+                <a:ea typeface="+mj-ea"/>
+                <a:cs typeface="+mj-cs"/>
+                <a:hlinkClick r:id="rId2" action="ppaction://hlinkfile">
+                  <a:extLst>
+                    <a:ext uri="{A12FA001-AC4F-418D-AE19-62706E023703}">
+                      <ahyp:hlinkClr xmlns:ahyp="http://schemas.microsoft.com/office/drawing/2018/hyperlinkcolor" val="tx"/>
+                    </a:ext>
+                  </a:extLst>
+                </a:hlinkClick>
+              </a:rPr>
+              <a:t>gohigh.substack.com</a:t>
+            </a:r>
+            <a:endParaRPr lang="fr-FR" sz="2800" dirty="0">
+              <a:solidFill>
+                <a:schemeClr val="accent2"/>
+              </a:solidFill>
+              <a:latin typeface="+mj-lt"/>
+              <a:ea typeface="+mj-ea"/>
+              <a:cs typeface="+mj-cs"/>
+            </a:endParaRPr>
+          </a:p>
+          <a:p>
+            <a:pPr marL="0" lvl="1" indent="0">
+              <a:spcBef>
+                <a:spcPts val="1000"/>
+              </a:spcBef>
+              <a:buNone/>
+            </a:pPr>
+            <a:r>
+              <a:rPr lang="fr-FR" sz="2800" dirty="0">
+                <a:solidFill>
+                  <a:schemeClr val="accent2"/>
+                </a:solidFill>
+                <a:latin typeface="+mj-lt"/>
+                <a:ea typeface="+mj-ea"/>
+                <a:cs typeface="+mj-cs"/>
+              </a:rPr>
+              <a:t> </a:t>
+            </a:r>
+            <a:r>
+              <a:rPr lang="fr-FR" sz="2800" dirty="0">
+                <a:solidFill>
+                  <a:schemeClr val="accent2"/>
+                </a:solidFill>
+                <a:latin typeface="+mj-lt"/>
+                <a:ea typeface="+mj-ea"/>
+                <a:cs typeface="+mj-cs"/>
+                <a:hlinkClick r:id="rId3" action="ppaction://hlinkfile">
+                  <a:extLst>
+                    <a:ext uri="{A12FA001-AC4F-418D-AE19-62706E023703}">
+                      <ahyp:hlinkClr xmlns:ahyp="http://schemas.microsoft.com/office/drawing/2018/hyperlinkcolor" val="tx"/>
+                    </a:ext>
+                  </a:extLst>
+                </a:hlinkClick>
+              </a:rPr>
+              <a:t>linkedin.com/in/haripriya-naidu1215/</a:t>
+            </a:r>
+            <a:endParaRPr lang="fr-FR" sz="2800" dirty="0">
+              <a:solidFill>
+                <a:schemeClr val="accent2"/>
+              </a:solidFill>
+              <a:latin typeface="+mj-lt"/>
+              <a:ea typeface="+mj-ea"/>
+              <a:cs typeface="+mj-cs"/>
+            </a:endParaRPr>
+          </a:p>
+          <a:p>
+            <a:pPr marL="0" lvl="1" indent="0">
+              <a:spcBef>
+                <a:spcPts val="1000"/>
+              </a:spcBef>
+              <a:buNone/>
+            </a:pPr>
+            <a:r>
+              <a:rPr lang="fr-FR" sz="2800" dirty="0">
+                <a:solidFill>
+                  <a:schemeClr val="accent2"/>
+                </a:solidFill>
+                <a:latin typeface="+mj-lt"/>
+                <a:ea typeface="+mj-ea"/>
+                <a:cs typeface="+mj-cs"/>
+              </a:rPr>
+              <a:t> </a:t>
+            </a:r>
+            <a:r>
+              <a:rPr lang="fr-FR" sz="2800" dirty="0">
+                <a:solidFill>
+                  <a:schemeClr val="accent2"/>
+                </a:solidFill>
+                <a:latin typeface="+mj-lt"/>
+                <a:ea typeface="+mj-ea"/>
+                <a:cs typeface="+mj-cs"/>
+                <a:hlinkClick r:id="rId4">
+                  <a:extLst>
+                    <a:ext uri="{A12FA001-AC4F-418D-AE19-62706E023703}">
+                      <ahyp:hlinkClr xmlns:ahyp="http://schemas.microsoft.com/office/drawing/2018/hyperlinkcolor" val="tx"/>
+                    </a:ext>
+                  </a:extLst>
+                </a:hlinkClick>
+              </a:rPr>
+              <a:t>github.com/haripriyasb/TABLOCK</a:t>
+            </a:r>
+            <a:endParaRPr lang="en-US" sz="2800" dirty="0">
+              <a:solidFill>
+                <a:schemeClr val="accent2"/>
+              </a:solidFill>
+              <a:latin typeface="+mj-lt"/>
+              <a:ea typeface="+mj-ea"/>
+              <a:cs typeface="+mj-cs"/>
+            </a:endParaRPr>
+          </a:p>
+          <a:p>
+            <a:endParaRPr lang="en-US" dirty="0"/>
+          </a:p>
+        </p:txBody>
+      </p:sp>
+      <p:pic>
+        <p:nvPicPr>
+          <p:cNvPr id="12" name="Picture 11">
+            <a:extLst>
+              <a:ext uri="{FF2B5EF4-FFF2-40B4-BE49-F238E27FC236}">
+                <a16:creationId xmlns:a16="http://schemas.microsoft.com/office/drawing/2014/main" id="{7BF5D268-D3E2-1A84-BA9E-7CD22BE15DE6}"/>
+              </a:ext>
+            </a:extLst>
+          </p:cNvPr>
+          <p:cNvPicPr>
+            <a:picLocks noChangeAspect="1"/>
+          </p:cNvPicPr>
+          <p:nvPr/>
+        </p:nvPicPr>
+        <p:blipFill>
+          <a:blip r:embed="rId5"/>
+          <a:stretch>
+            <a:fillRect/>
+          </a:stretch>
+        </p:blipFill>
+        <p:spPr>
+          <a:xfrm>
+            <a:off x="834527" y="5057328"/>
+            <a:ext cx="254517" cy="259260"/>
+          </a:xfrm>
+          <a:prstGeom prst="rect">
+            <a:avLst/>
+          </a:prstGeom>
+        </p:spPr>
+      </p:pic>
+      <p:pic>
+        <p:nvPicPr>
+          <p:cNvPr id="14" name="Picture 13">
+            <a:extLst>
+              <a:ext uri="{FF2B5EF4-FFF2-40B4-BE49-F238E27FC236}">
+                <a16:creationId xmlns:a16="http://schemas.microsoft.com/office/drawing/2014/main" id="{53AAC5AB-8F49-D904-CFC9-40A28C33D810}"/>
+              </a:ext>
+            </a:extLst>
+          </p:cNvPr>
+          <p:cNvPicPr>
+            <a:picLocks noChangeAspect="1"/>
+          </p:cNvPicPr>
+          <p:nvPr/>
+        </p:nvPicPr>
+        <p:blipFill>
+          <a:blip r:embed="rId6"/>
+          <a:stretch>
+            <a:fillRect/>
+          </a:stretch>
+        </p:blipFill>
+        <p:spPr>
+          <a:xfrm>
+            <a:off x="813648" y="5487514"/>
+            <a:ext cx="284071" cy="259261"/>
+          </a:xfrm>
+          <a:prstGeom prst="rect">
+            <a:avLst/>
+          </a:prstGeom>
+        </p:spPr>
+      </p:pic>
+      <p:pic>
+        <p:nvPicPr>
+          <p:cNvPr id="15" name="Picture 14">
+            <a:extLst>
+              <a:ext uri="{FF2B5EF4-FFF2-40B4-BE49-F238E27FC236}">
+                <a16:creationId xmlns:a16="http://schemas.microsoft.com/office/drawing/2014/main" id="{8279D312-5956-9439-4D62-E024DDD1C6D3}"/>
+              </a:ext>
+            </a:extLst>
+          </p:cNvPr>
+          <p:cNvPicPr>
+            <a:picLocks noChangeAspect="1"/>
+          </p:cNvPicPr>
+          <p:nvPr/>
+        </p:nvPicPr>
+        <p:blipFill>
+          <a:blip r:embed="rId7"/>
+          <a:stretch>
+            <a:fillRect/>
+          </a:stretch>
+        </p:blipFill>
+        <p:spPr>
+          <a:xfrm>
+            <a:off x="813648" y="4557735"/>
+            <a:ext cx="254517" cy="259260"/>
+          </a:xfrm>
+          <a:prstGeom prst="rect">
+            <a:avLst/>
+          </a:prstGeom>
+        </p:spPr>
+      </p:pic>
+    </p:spTree>
+    <p:extLst>
+      <p:ext uri="{BB962C8B-B14F-4D97-AF65-F5344CB8AC3E}">
+        <p14:creationId xmlns:p14="http://schemas.microsoft.com/office/powerpoint/2010/main" val="2784211145"/>
       </p:ext>
     </p:extLst>
   </p:cSld>
@@ -3651,7 +4605,7 @@
           <a:lstStyle/>
           <a:p>
             <a:r>
-              <a:rPr lang="en-US" sz="7200" b="1" dirty="0">
+              <a:rPr lang="en-US" sz="6600" b="1" dirty="0">
                 <a:solidFill>
                   <a:schemeClr val="accent2"/>
                 </a:solidFill>
@@ -4026,18 +4980,19 @@
         </p:nvSpPr>
         <p:spPr/>
         <p:txBody>
-          <a:bodyPr/>
+          <a:bodyPr>
+            <a:normAutofit/>
+          </a:bodyPr>
           <a:lstStyle/>
           <a:p>
             <a:r>
-              <a:rPr lang="en-US" sz="4400" b="1">
+              <a:rPr lang="en-US" sz="6600" b="1" dirty="0">
                 <a:solidFill>
                   <a:schemeClr val="accent2"/>
                 </a:solidFill>
               </a:rPr>
               <a:t>Agenda</a:t>
             </a:r>
-            <a:endParaRPr lang="en-US" dirty="0"/>
           </a:p>
         </p:txBody>
       </p:sp>
@@ -4521,34 +5476,20 @@
         </p:nvSpPr>
         <p:spPr/>
         <p:txBody>
-          <a:bodyPr/>
+          <a:bodyPr>
+            <a:normAutofit/>
+          </a:bodyPr>
           <a:lstStyle/>
           <a:p>
             <a:r>
-              <a:rPr lang="en-US" sz="4400" b="1" dirty="0">
+              <a:rPr lang="en-US" sz="5400" b="1" dirty="0">
                 <a:solidFill>
                   <a:schemeClr val="accent2"/>
                 </a:solidFill>
               </a:rPr>
-              <a:t>Why </a:t>
-            </a:r>
-            <a:r>
-              <a:rPr lang="en-US" b="1" dirty="0">
-                <a:solidFill>
-                  <a:schemeClr val="accent2"/>
-                </a:solidFill>
-              </a:rPr>
-              <a:t>discuss about </a:t>
-            </a:r>
-            <a:r>
-              <a:rPr lang="en-US" sz="4400" b="1" dirty="0">
-                <a:solidFill>
-                  <a:schemeClr val="accent2"/>
-                </a:solidFill>
-              </a:rPr>
-              <a:t>TABLOCK hint</a:t>
-            </a:r>
-            <a:endParaRPr lang="en-US" dirty="0"/>
+              <a:t>Why discuss about TABLOCK hint</a:t>
+            </a:r>
+            <a:endParaRPr lang="en-US" sz="5400" dirty="0"/>
           </a:p>
         </p:txBody>
       </p:sp>
@@ -4998,6 +5939,81 @@
         <p:cNvPr id="1" name="">
           <a:extLst>
             <a:ext uri="{FF2B5EF4-FFF2-40B4-BE49-F238E27FC236}">
+              <a16:creationId xmlns:a16="http://schemas.microsoft.com/office/drawing/2014/main" id="{0BAD0D25-1B71-0C0A-D820-66767C7C5B88}"/>
+            </a:ext>
+          </a:extLst>
+        </p:cNvPr>
+        <p:cNvGrpSpPr/>
+        <p:nvPr/>
+      </p:nvGrpSpPr>
+      <p:grpSpPr>
+        <a:xfrm>
+          <a:off x="0" y="0"/>
+          <a:ext cx="0" cy="0"/>
+          <a:chOff x="0" y="0"/>
+          <a:chExt cx="0" cy="0"/>
+        </a:xfrm>
+      </p:grpSpPr>
+      <p:sp>
+        <p:nvSpPr>
+          <p:cNvPr id="2" name="Title 1">
+            <a:extLst>
+              <a:ext uri="{FF2B5EF4-FFF2-40B4-BE49-F238E27FC236}">
+                <a16:creationId xmlns:a16="http://schemas.microsoft.com/office/drawing/2014/main" id="{499F6227-5113-6549-52A9-B2E61AB028EA}"/>
+              </a:ext>
+            </a:extLst>
+          </p:cNvPr>
+          <p:cNvSpPr>
+            <a:spLocks noGrp="1"/>
+          </p:cNvSpPr>
+          <p:nvPr>
+            <p:ph type="title"/>
+          </p:nvPr>
+        </p:nvSpPr>
+        <p:spPr>
+          <a:xfrm>
+            <a:off x="838199" y="1093788"/>
+            <a:ext cx="10506455" cy="2967208"/>
+          </a:xfrm>
+        </p:spPr>
+        <p:txBody>
+          <a:bodyPr vert="horz" lIns="91440" tIns="45720" rIns="91440" bIns="45720" rtlCol="0" anchor="b">
+            <a:normAutofit/>
+          </a:bodyPr>
+          <a:lstStyle/>
+          <a:p>
+            <a:r>
+              <a:rPr lang="en-US" sz="6000" b="1" dirty="0">
+                <a:solidFill>
+                  <a:schemeClr val="accent2"/>
+                </a:solidFill>
+              </a:rPr>
+              <a:t>RECAP</a:t>
+            </a:r>
+          </a:p>
+        </p:txBody>
+      </p:sp>
+    </p:spTree>
+    <p:extLst>
+      <p:ext uri="{BB962C8B-B14F-4D97-AF65-F5344CB8AC3E}">
+        <p14:creationId xmlns:p14="http://schemas.microsoft.com/office/powerpoint/2010/main" val="4264390168"/>
+      </p:ext>
+    </p:extLst>
+  </p:cSld>
+  <p:clrMapOvr>
+    <a:masterClrMapping/>
+  </p:clrMapOvr>
+</p:sld>
+</file>
+
+<file path=ppt/slides/slide7.xml><?xml version="1.0" encoding="utf-8"?>
+<p:sld xmlns:a="http://schemas.openxmlformats.org/drawingml/2006/main" xmlns:r="http://schemas.openxmlformats.org/officeDocument/2006/relationships" xmlns:p="http://schemas.openxmlformats.org/presentationml/2006/main">
+  <p:cSld>
+    <p:spTree>
+      <p:nvGrpSpPr>
+        <p:cNvPr id="1" name="">
+          <a:extLst>
+            <a:ext uri="{FF2B5EF4-FFF2-40B4-BE49-F238E27FC236}">
               <a16:creationId xmlns:a16="http://schemas.microsoft.com/office/drawing/2014/main" id="{2B768659-E06F-CF0C-B140-4F17CC7BF26B}"/>
             </a:ext>
           </a:extLst>
@@ -5031,34 +6047,20 @@
         </p:nvSpPr>
         <p:spPr/>
         <p:txBody>
-          <a:bodyPr/>
+          <a:bodyPr>
+            <a:normAutofit/>
+          </a:bodyPr>
           <a:lstStyle/>
           <a:p>
             <a:r>
-              <a:rPr lang="en-US" sz="4400" b="1" dirty="0">
+              <a:rPr lang="en-US" sz="5400" b="1" dirty="0">
                 <a:solidFill>
                   <a:schemeClr val="accent2"/>
                 </a:solidFill>
               </a:rPr>
-              <a:t>Why </a:t>
-            </a:r>
-            <a:r>
-              <a:rPr lang="en-US" b="1" dirty="0">
-                <a:solidFill>
-                  <a:schemeClr val="accent2"/>
-                </a:solidFill>
-              </a:rPr>
-              <a:t>discuss about </a:t>
-            </a:r>
-            <a:r>
-              <a:rPr lang="en-US" sz="4400" b="1" dirty="0">
-                <a:solidFill>
-                  <a:schemeClr val="accent2"/>
-                </a:solidFill>
-              </a:rPr>
-              <a:t>TABLOCK hint</a:t>
-            </a:r>
-            <a:endParaRPr lang="en-US" dirty="0"/>
+              <a:t>Why discuss about TABLOCK hint</a:t>
+            </a:r>
+            <a:endParaRPr lang="en-US" sz="5400" dirty="0"/>
           </a:p>
         </p:txBody>
       </p:sp>
@@ -5431,7 +6433,7 @@
 </p:sld>
 </file>
 
-<file path=ppt/slides/slide7.xml><?xml version="1.0" encoding="utf-8"?>
+<file path=ppt/slides/slide8.xml><?xml version="1.0" encoding="utf-8"?>
 <p:sld xmlns:a="http://schemas.openxmlformats.org/drawingml/2006/main" xmlns:r="http://schemas.openxmlformats.org/officeDocument/2006/relationships" xmlns:p="http://schemas.openxmlformats.org/presentationml/2006/main">
   <p:cSld>
     <p:spTree>
@@ -5453,6 +6455,151 @@
           <p:cNvPr id="2" name="Title 1">
             <a:extLst>
               <a:ext uri="{FF2B5EF4-FFF2-40B4-BE49-F238E27FC236}">
+                <a16:creationId xmlns:a16="http://schemas.microsoft.com/office/drawing/2014/main" id="{03FA1989-903E-9B14-B7F7-A3877622CCD9}"/>
+              </a:ext>
+            </a:extLst>
+          </p:cNvPr>
+          <p:cNvSpPr>
+            <a:spLocks noGrp="1"/>
+          </p:cNvSpPr>
+          <p:nvPr>
+            <p:ph type="title"/>
+          </p:nvPr>
+        </p:nvSpPr>
+        <p:spPr/>
+        <p:txBody>
+          <a:bodyPr>
+            <a:normAutofit/>
+          </a:bodyPr>
+          <a:lstStyle/>
+          <a:p>
+            <a:r>
+              <a:rPr lang="en-US" sz="6000" b="1" dirty="0">
+                <a:solidFill>
+                  <a:schemeClr val="accent2"/>
+                </a:solidFill>
+              </a:rPr>
+              <a:t>Locking behavior</a:t>
+            </a:r>
+          </a:p>
+        </p:txBody>
+      </p:sp>
+      <p:sp>
+        <p:nvSpPr>
+          <p:cNvPr id="3" name="Content Placeholder 2">
+            <a:extLst>
+              <a:ext uri="{FF2B5EF4-FFF2-40B4-BE49-F238E27FC236}">
+                <a16:creationId xmlns:a16="http://schemas.microsoft.com/office/drawing/2014/main" id="{D807FF21-A556-1BAE-485B-3D51B7BD9D2E}"/>
+              </a:ext>
+            </a:extLst>
+          </p:cNvPr>
+          <p:cNvSpPr>
+            <a:spLocks noGrp="1"/>
+          </p:cNvSpPr>
+          <p:nvPr>
+            <p:ph idx="1"/>
+          </p:nvPr>
+        </p:nvSpPr>
+        <p:spPr/>
+        <p:txBody>
+          <a:bodyPr>
+            <a:normAutofit/>
+          </a:bodyPr>
+          <a:lstStyle/>
+          <a:p>
+            <a:r>
+              <a:rPr lang="en-US" dirty="0"/>
+              <a:t>REGULAR INSERT</a:t>
+            </a:r>
+          </a:p>
+          <a:p>
+            <a:pPr lvl="1"/>
+            <a:r>
+              <a:rPr lang="en-US" dirty="0"/>
+              <a:t>Row-level (RID or KEY) or page-level (PAG) locks.</a:t>
+            </a:r>
+          </a:p>
+          <a:p>
+            <a:pPr lvl="1"/>
+            <a:r>
+              <a:rPr lang="en-US" dirty="0"/>
+              <a:t>Less blocking</a:t>
+            </a:r>
+          </a:p>
+          <a:p>
+            <a:pPr lvl="1"/>
+            <a:r>
+              <a:rPr lang="en-US" dirty="0"/>
+              <a:t>Lock escalation occurs if lock escalation threshold is reached</a:t>
+            </a:r>
+          </a:p>
+          <a:p>
+            <a:endParaRPr lang="en-US" dirty="0"/>
+          </a:p>
+          <a:p>
+            <a:r>
+              <a:rPr lang="en-US" dirty="0"/>
+              <a:t>INSERT WITH TABLOCK HINT</a:t>
+            </a:r>
+          </a:p>
+          <a:p>
+            <a:pPr lvl="1"/>
+            <a:r>
+              <a:rPr lang="en-US" dirty="0"/>
+              <a:t>Table-level lock (TAB)</a:t>
+            </a:r>
+          </a:p>
+          <a:p>
+            <a:pPr lvl="1"/>
+            <a:r>
+              <a:rPr lang="en-US" dirty="0"/>
+              <a:t>Blocks other queries</a:t>
+            </a:r>
+          </a:p>
+          <a:p>
+            <a:pPr lvl="1"/>
+            <a:r>
+              <a:rPr lang="en-US" dirty="0"/>
+              <a:t>No lock escalation</a:t>
+            </a:r>
+          </a:p>
+        </p:txBody>
+      </p:sp>
+    </p:spTree>
+    <p:extLst>
+      <p:ext uri="{BB962C8B-B14F-4D97-AF65-F5344CB8AC3E}">
+        <p14:creationId xmlns:p14="http://schemas.microsoft.com/office/powerpoint/2010/main" val="1995246946"/>
+      </p:ext>
+    </p:extLst>
+  </p:cSld>
+  <p:clrMapOvr>
+    <a:masterClrMapping/>
+  </p:clrMapOvr>
+</p:sld>
+</file>
+
+<file path=ppt/slides/slide9.xml><?xml version="1.0" encoding="utf-8"?>
+<p:sld xmlns:a="http://schemas.openxmlformats.org/drawingml/2006/main" xmlns:r="http://schemas.openxmlformats.org/officeDocument/2006/relationships" xmlns:p="http://schemas.openxmlformats.org/presentationml/2006/main">
+  <p:cSld>
+    <p:spTree>
+      <p:nvGrpSpPr>
+        <p:cNvPr id="1" name=""/>
+        <p:cNvGrpSpPr/>
+        <p:nvPr/>
+      </p:nvGrpSpPr>
+      <p:grpSpPr>
+        <a:xfrm>
+          <a:off x="0" y="0"/>
+          <a:ext cx="0" cy="0"/>
+          <a:chOff x="0" y="0"/>
+          <a:chExt cx="0" cy="0"/>
+        </a:xfrm>
+      </p:grpSpPr>
+      <p:sp>
+        <p:nvSpPr>
+          <p:cNvPr id="2" name="Title 1">
+            <a:extLst>
+              <a:ext uri="{FF2B5EF4-FFF2-40B4-BE49-F238E27FC236}">
                 <a16:creationId xmlns:a16="http://schemas.microsoft.com/office/drawing/2014/main" id="{FD7E4C6A-84CF-ED95-220D-DB84F6E88FEC}"/>
               </a:ext>
             </a:extLst>
@@ -5466,18 +6613,20 @@
         </p:nvSpPr>
         <p:spPr/>
         <p:txBody>
-          <a:bodyPr/>
+          <a:bodyPr>
+            <a:normAutofit/>
+          </a:bodyPr>
           <a:lstStyle/>
           <a:p>
             <a:r>
-              <a:rPr lang="en-US" b="1" dirty="0">
+              <a:rPr lang="en-US" sz="6000" b="1" dirty="0">
                 <a:solidFill>
                   <a:schemeClr val="accent2"/>
                 </a:solidFill>
               </a:rPr>
               <a:t>TAKEAWAYS</a:t>
             </a:r>
-            <a:endParaRPr lang="en-US" dirty="0"/>
+            <a:endParaRPr lang="en-US" sz="6000" dirty="0"/>
           </a:p>
         </p:txBody>
       </p:sp>
@@ -5550,6 +6699,13 @@
             <a:r>
               <a:rPr lang="en-US" dirty="0"/>
               <a:t>Temp tables or Staging data</a:t>
+            </a:r>
+          </a:p>
+          <a:p>
+            <a:pPr lvl="1"/>
+            <a:r>
+              <a:rPr lang="en-US" dirty="0"/>
+              <a:t>Huge amount of data</a:t>
             </a:r>
           </a:p>
           <a:p>
@@ -5846,33 +7002,15 @@
                                   </p:childTnLst>
                                 </p:cTn>
                               </p:par>
-                            </p:childTnLst>
-                          </p:cTn>
-                        </p:par>
-                      </p:childTnLst>
-                    </p:cTn>
-                  </p:par>
-                  <p:par>
-                    <p:cTn id="20" fill="hold">
-                      <p:stCondLst>
-                        <p:cond delay="indefinite"/>
-                      </p:stCondLst>
-                      <p:childTnLst>
-                        <p:par>
-                          <p:cTn id="21" fill="hold">
-                            <p:stCondLst>
-                              <p:cond delay="0"/>
-                            </p:stCondLst>
-                            <p:childTnLst>
                               <p:par>
-                                <p:cTn id="22" presetID="10" presetClass="entr" presetSubtype="0" fill="hold" nodeType="clickEffect">
+                                <p:cTn id="20" presetID="10" presetClass="entr" presetSubtype="0" fill="hold" nodeType="withEffect">
                                   <p:stCondLst>
                                     <p:cond delay="0"/>
                                   </p:stCondLst>
                                   <p:childTnLst>
                                     <p:set>
                                       <p:cBhvr>
-                                        <p:cTn id="23" dur="1" fill="hold">
+                                        <p:cTn id="21" dur="1" fill="hold">
                                           <p:stCondLst>
                                             <p:cond delay="0"/>
                                           </p:stCondLst>
@@ -5880,7 +7018,7 @@
                                         <p:tgtEl>
                                           <p:spTgt spid="3">
                                             <p:txEl>
-                                              <p:pRg st="6" end="6"/>
+                                              <p:pRg st="5" end="5"/>
                                             </p:txEl>
                                           </p:spTgt>
                                         </p:tgtEl>
@@ -5894,11 +7032,11 @@
                                     </p:set>
                                     <p:animEffect transition="in" filter="fade">
                                       <p:cBhvr>
-                                        <p:cTn id="24" dur="500"/>
+                                        <p:cTn id="22" dur="500"/>
                                         <p:tgtEl>
                                           <p:spTgt spid="3">
                                             <p:txEl>
-                                              <p:pRg st="6" end="6"/>
+                                              <p:pRg st="5" end="5"/>
                                             </p:txEl>
                                           </p:spTgt>
                                         </p:tgtEl>
@@ -5907,8 +7045,26 @@
                                   </p:childTnLst>
                                 </p:cTn>
                               </p:par>
+                            </p:childTnLst>
+                          </p:cTn>
+                        </p:par>
+                      </p:childTnLst>
+                    </p:cTn>
+                  </p:par>
+                  <p:par>
+                    <p:cTn id="23" fill="hold">
+                      <p:stCondLst>
+                        <p:cond delay="indefinite"/>
+                      </p:stCondLst>
+                      <p:childTnLst>
+                        <p:par>
+                          <p:cTn id="24" fill="hold">
+                            <p:stCondLst>
+                              <p:cond delay="0"/>
+                            </p:stCondLst>
+                            <p:childTnLst>
                               <p:par>
-                                <p:cTn id="25" presetID="10" presetClass="entr" presetSubtype="0" fill="hold" nodeType="withEffect">
+                                <p:cTn id="25" presetID="10" presetClass="entr" presetSubtype="0" fill="hold" nodeType="clickEffect">
                                   <p:stCondLst>
                                     <p:cond delay="0"/>
                                   </p:stCondLst>
@@ -5950,200 +7106,15 @@
                                   </p:childTnLst>
                                 </p:cTn>
                               </p:par>
-                            </p:childTnLst>
-                          </p:cTn>
-                        </p:par>
-                      </p:childTnLst>
-                    </p:cTn>
-                  </p:par>
-                </p:childTnLst>
-              </p:cTn>
-              <p:prevCondLst>
-                <p:cond evt="onPrev" delay="0">
-                  <p:tgtEl>
-                    <p:sldTgt/>
-                  </p:tgtEl>
-                </p:cond>
-              </p:prevCondLst>
-              <p:nextCondLst>
-                <p:cond evt="onNext" delay="0">
-                  <p:tgtEl>
-                    <p:sldTgt/>
-                  </p:tgtEl>
-                </p:cond>
-              </p:nextCondLst>
-            </p:seq>
-          </p:childTnLst>
-        </p:cTn>
-      </p:par>
-    </p:tnLst>
-  </p:timing>
-</p:sld>
-</file>
-
-<file path=ppt/slides/slide8.xml><?xml version="1.0" encoding="utf-8"?>
-<p:sld xmlns:a="http://schemas.openxmlformats.org/drawingml/2006/main" xmlns:r="http://schemas.openxmlformats.org/officeDocument/2006/relationships" xmlns:p="http://schemas.openxmlformats.org/presentationml/2006/main">
-  <p:cSld>
-    <p:spTree>
-      <p:nvGrpSpPr>
-        <p:cNvPr id="1" name=""/>
-        <p:cNvGrpSpPr/>
-        <p:nvPr/>
-      </p:nvGrpSpPr>
-      <p:grpSpPr>
-        <a:xfrm>
-          <a:off x="0" y="0"/>
-          <a:ext cx="0" cy="0"/>
-          <a:chOff x="0" y="0"/>
-          <a:chExt cx="0" cy="0"/>
-        </a:xfrm>
-      </p:grpSpPr>
-      <p:sp>
-        <p:nvSpPr>
-          <p:cNvPr id="2" name="Title 1">
-            <a:extLst>
-              <a:ext uri="{FF2B5EF4-FFF2-40B4-BE49-F238E27FC236}">
-                <a16:creationId xmlns:a16="http://schemas.microsoft.com/office/drawing/2014/main" id="{63D0AFE4-FCE7-B5D0-2DC2-B445F44091AC}"/>
-              </a:ext>
-            </a:extLst>
-          </p:cNvPr>
-          <p:cNvSpPr>
-            <a:spLocks noGrp="1"/>
-          </p:cNvSpPr>
-          <p:nvPr>
-            <p:ph type="title"/>
-          </p:nvPr>
-        </p:nvSpPr>
-        <p:spPr/>
-        <p:txBody>
-          <a:bodyPr/>
-          <a:lstStyle/>
-          <a:p>
-            <a:r>
-              <a:rPr lang="en-US" b="1" dirty="0">
-                <a:solidFill>
-                  <a:schemeClr val="accent2"/>
-                </a:solidFill>
-              </a:rPr>
-              <a:t>STAYAWAY</a:t>
-            </a:r>
-            <a:endParaRPr lang="en-US" dirty="0"/>
-          </a:p>
-        </p:txBody>
-      </p:sp>
-      <p:sp>
-        <p:nvSpPr>
-          <p:cNvPr id="3" name="Content Placeholder 2">
-            <a:extLst>
-              <a:ext uri="{FF2B5EF4-FFF2-40B4-BE49-F238E27FC236}">
-                <a16:creationId xmlns:a16="http://schemas.microsoft.com/office/drawing/2014/main" id="{BFA36379-C796-2CFE-6DAC-A9E562618B9A}"/>
-              </a:ext>
-            </a:extLst>
-          </p:cNvPr>
-          <p:cNvSpPr>
-            <a:spLocks noGrp="1"/>
-          </p:cNvSpPr>
-          <p:nvPr>
-            <p:ph idx="1"/>
-          </p:nvPr>
-        </p:nvSpPr>
-        <p:spPr/>
-        <p:txBody>
-          <a:bodyPr/>
-          <a:lstStyle/>
-          <a:p>
-            <a:r>
-              <a:rPr lang="en-US" dirty="0"/>
-              <a:t>TABLOCK hint should </a:t>
-            </a:r>
-            <a:r>
-              <a:rPr lang="en-US" b="1" dirty="0">
-                <a:solidFill>
-                  <a:schemeClr val="accent2"/>
-                </a:solidFill>
-                <a:latin typeface="+mj-lt"/>
-                <a:ea typeface="+mj-ea"/>
-                <a:cs typeface="+mj-cs"/>
-              </a:rPr>
-              <a:t>NOT</a:t>
-            </a:r>
-            <a:r>
-              <a:rPr lang="en-US" dirty="0"/>
-              <a:t> be used </a:t>
-            </a:r>
-          </a:p>
-          <a:p>
-            <a:pPr lvl="1"/>
-            <a:r>
-              <a:rPr lang="en-US" dirty="0"/>
-              <a:t>When concurrency is important</a:t>
-            </a:r>
-          </a:p>
-          <a:p>
-            <a:pPr lvl="1"/>
-            <a:r>
-              <a:rPr lang="en-US" dirty="0"/>
-              <a:t>Highly volatile tables in OLTP</a:t>
-            </a:r>
-          </a:p>
-          <a:p>
-            <a:pPr lvl="1"/>
-            <a:r>
-              <a:rPr lang="en-US" dirty="0"/>
-              <a:t>Clustered and non-clustered indexes on tables</a:t>
-            </a:r>
-          </a:p>
-          <a:p>
-            <a:pPr marL="457200" lvl="1" indent="0">
-              <a:buNone/>
-            </a:pPr>
-            <a:endParaRPr lang="en-US" dirty="0"/>
-          </a:p>
-          <a:p>
-            <a:pPr lvl="1"/>
-            <a:endParaRPr lang="en-US" dirty="0"/>
-          </a:p>
-        </p:txBody>
-      </p:sp>
-    </p:spTree>
-    <p:extLst>
-      <p:ext uri="{BB962C8B-B14F-4D97-AF65-F5344CB8AC3E}">
-        <p14:creationId xmlns:p14="http://schemas.microsoft.com/office/powerpoint/2010/main" val="3344579723"/>
-      </p:ext>
-    </p:extLst>
-  </p:cSld>
-  <p:clrMapOvr>
-    <a:masterClrMapping/>
-  </p:clrMapOvr>
-  <p:timing>
-    <p:tnLst>
-      <p:par>
-        <p:cTn id="1" dur="indefinite" restart="never" nodeType="tmRoot">
-          <p:childTnLst>
-            <p:seq concurrent="1" nextAc="seek">
-              <p:cTn id="2" dur="indefinite" nodeType="mainSeq">
-                <p:childTnLst>
-                  <p:par>
-                    <p:cTn id="3" fill="hold">
-                      <p:stCondLst>
-                        <p:cond delay="indefinite"/>
-                      </p:stCondLst>
-                      <p:childTnLst>
-                        <p:par>
-                          <p:cTn id="4" fill="hold">
-                            <p:stCondLst>
-                              <p:cond delay="0"/>
-                            </p:stCondLst>
-                            <p:childTnLst>
                               <p:par>
-                                <p:cTn id="5" presetID="10" presetClass="entr" presetSubtype="0" fill="hold" nodeType="clickEffect">
+                                <p:cTn id="28" presetID="10" presetClass="entr" presetSubtype="0" fill="hold" nodeType="withEffect">
                                   <p:stCondLst>
                                     <p:cond delay="0"/>
                                   </p:stCondLst>
                                   <p:childTnLst>
                                     <p:set>
                                       <p:cBhvr>
-                                        <p:cTn id="6" dur="1" fill="hold">
+                                        <p:cTn id="29" dur="1" fill="hold">
                                           <p:stCondLst>
                                             <p:cond delay="0"/>
                                           </p:stCondLst>
@@ -6151,7 +7122,7 @@
                                         <p:tgtEl>
                                           <p:spTgt spid="3">
                                             <p:txEl>
-                                              <p:pRg st="0" end="0"/>
+                                              <p:pRg st="8" end="8"/>
                                             </p:txEl>
                                           </p:spTgt>
                                         </p:tgtEl>
@@ -6165,140 +7136,11 @@
                                     </p:set>
                                     <p:animEffect transition="in" filter="fade">
                                       <p:cBhvr>
-                                        <p:cTn id="7" dur="500"/>
+                                        <p:cTn id="30" dur="500"/>
                                         <p:tgtEl>
                                           <p:spTgt spid="3">
                                             <p:txEl>
-                                              <p:pRg st="0" end="0"/>
-                                            </p:txEl>
-                                          </p:spTgt>
-                                        </p:tgtEl>
-                                      </p:cBhvr>
-                                    </p:animEffect>
-                                  </p:childTnLst>
-                                </p:cTn>
-                              </p:par>
-                              <p:par>
-                                <p:cTn id="8" presetID="10" presetClass="entr" presetSubtype="0" fill="hold" nodeType="withEffect">
-                                  <p:stCondLst>
-                                    <p:cond delay="0"/>
-                                  </p:stCondLst>
-                                  <p:childTnLst>
-                                    <p:set>
-                                      <p:cBhvr>
-                                        <p:cTn id="9" dur="1" fill="hold">
-                                          <p:stCondLst>
-                                            <p:cond delay="0"/>
-                                          </p:stCondLst>
-                                        </p:cTn>
-                                        <p:tgtEl>
-                                          <p:spTgt spid="3">
-                                            <p:txEl>
-                                              <p:pRg st="1" end="1"/>
-                                            </p:txEl>
-                                          </p:spTgt>
-                                        </p:tgtEl>
-                                        <p:attrNameLst>
-                                          <p:attrName>style.visibility</p:attrName>
-                                        </p:attrNameLst>
-                                      </p:cBhvr>
-                                      <p:to>
-                                        <p:strVal val="visible"/>
-                                      </p:to>
-                                    </p:set>
-                                    <p:animEffect transition="in" filter="fade">
-                                      <p:cBhvr>
-                                        <p:cTn id="10" dur="500"/>
-                                        <p:tgtEl>
-                                          <p:spTgt spid="3">
-                                            <p:txEl>
-                                              <p:pRg st="1" end="1"/>
-                                            </p:txEl>
-                                          </p:spTgt>
-                                        </p:tgtEl>
-                                      </p:cBhvr>
-                                    </p:animEffect>
-                                  </p:childTnLst>
-                                </p:cTn>
-                              </p:par>
-                              <p:par>
-                                <p:cTn id="11" presetID="10" presetClass="entr" presetSubtype="0" fill="hold" nodeType="withEffect">
-                                  <p:stCondLst>
-                                    <p:cond delay="0"/>
-                                  </p:stCondLst>
-                                  <p:childTnLst>
-                                    <p:set>
-                                      <p:cBhvr>
-                                        <p:cTn id="12" dur="1" fill="hold">
-                                          <p:stCondLst>
-                                            <p:cond delay="0"/>
-                                          </p:stCondLst>
-                                        </p:cTn>
-                                        <p:tgtEl>
-                                          <p:spTgt spid="3">
-                                            <p:txEl>
-                                              <p:pRg st="2" end="2"/>
-                                            </p:txEl>
-                                          </p:spTgt>
-                                        </p:tgtEl>
-                                        <p:attrNameLst>
-                                          <p:attrName>style.visibility</p:attrName>
-                                        </p:attrNameLst>
-                                      </p:cBhvr>
-                                      <p:to>
-                                        <p:strVal val="visible"/>
-                                      </p:to>
-                                    </p:set>
-                                    <p:animEffect transition="in" filter="fade">
-                                      <p:cBhvr>
-                                        <p:cTn id="13" dur="500"/>
-                                        <p:tgtEl>
-                                          <p:spTgt spid="3">
-                                            <p:txEl>
-                                              <p:pRg st="2" end="2"/>
-                                            </p:txEl>
-                                          </p:spTgt>
-                                        </p:tgtEl>
-                                      </p:cBhvr>
-                                    </p:animEffect>
-                                  </p:childTnLst>
-                                </p:cTn>
-                              </p:par>
-                              <p:par>
-                                <p:cTn id="14" presetID="10" presetClass="entr" presetSubtype="0" fill="hold" nodeType="withEffect">
-                                  <p:stCondLst>
-                                    <p:cond delay="0"/>
-                                  </p:stCondLst>
-                                  <p:childTnLst>
-                                    <p:set>
-                                      <p:cBhvr>
-                                        <p:cTn id="15" dur="1" fill="hold">
-                                          <p:stCondLst>
-                                            <p:cond delay="0"/>
-                                          </p:stCondLst>
-                                        </p:cTn>
-                                        <p:tgtEl>
-                                          <p:spTgt spid="3">
-                                            <p:txEl>
-                                              <p:pRg st="3" end="3"/>
-                                            </p:txEl>
-                                          </p:spTgt>
-                                        </p:tgtEl>
-                                        <p:attrNameLst>
-                                          <p:attrName>style.visibility</p:attrName>
-                                        </p:attrNameLst>
-                                      </p:cBhvr>
-                                      <p:to>
-                                        <p:strVal val="visible"/>
-                                      </p:to>
-                                    </p:set>
-                                    <p:animEffect transition="in" filter="fade">
-                                      <p:cBhvr>
-                                        <p:cTn id="16" dur="500"/>
-                                        <p:tgtEl>
-                                          <p:spTgt spid="3">
-                                            <p:txEl>
-                                              <p:pRg st="3" end="3"/>
+                                              <p:pRg st="8" end="8"/>
                                             </p:txEl>
                                           </p:spTgt>
                                         </p:tgtEl>
@@ -6334,199 +7176,6 @@
         </p:cTn>
       </p:par>
     </p:tnLst>
-  </p:timing>
-</p:sld>
-</file>
-
-<file path=ppt/slides/slide9.xml><?xml version="1.0" encoding="utf-8"?>
-<p:sld xmlns:a="http://schemas.openxmlformats.org/drawingml/2006/main" xmlns:r="http://schemas.openxmlformats.org/officeDocument/2006/relationships" xmlns:p="http://schemas.openxmlformats.org/presentationml/2006/main" show="0">
-  <p:cSld>
-    <p:spTree>
-      <p:nvGrpSpPr>
-        <p:cNvPr id="1" name="">
-          <a:extLst>
-            <a:ext uri="{FF2B5EF4-FFF2-40B4-BE49-F238E27FC236}">
-              <a16:creationId xmlns:a16="http://schemas.microsoft.com/office/drawing/2014/main" id="{8F237C00-FC0E-D119-86A6-AD43C5F5C76D}"/>
-            </a:ext>
-          </a:extLst>
-        </p:cNvPr>
-        <p:cNvGrpSpPr/>
-        <p:nvPr/>
-      </p:nvGrpSpPr>
-      <p:grpSpPr>
-        <a:xfrm>
-          <a:off x="0" y="0"/>
-          <a:ext cx="0" cy="0"/>
-          <a:chOff x="0" y="0"/>
-          <a:chExt cx="0" cy="0"/>
-        </a:xfrm>
-      </p:grpSpPr>
-      <p:sp>
-        <p:nvSpPr>
-          <p:cNvPr id="2" name="Title 1">
-            <a:extLst>
-              <a:ext uri="{FF2B5EF4-FFF2-40B4-BE49-F238E27FC236}">
-                <a16:creationId xmlns:a16="http://schemas.microsoft.com/office/drawing/2014/main" id="{5C8DD658-DB92-6B93-4E09-073DF681F003}"/>
-              </a:ext>
-            </a:extLst>
-          </p:cNvPr>
-          <p:cNvSpPr>
-            <a:spLocks noGrp="1"/>
-          </p:cNvSpPr>
-          <p:nvPr>
-            <p:ph type="title"/>
-          </p:nvPr>
-        </p:nvSpPr>
-        <p:spPr/>
-        <p:txBody>
-          <a:bodyPr/>
-          <a:lstStyle/>
-          <a:p>
-            <a:r>
-              <a:rPr lang="en-US" sz="4400" b="1" dirty="0">
-                <a:solidFill>
-                  <a:schemeClr val="accent2"/>
-                </a:solidFill>
-              </a:rPr>
-              <a:t>Summary</a:t>
-            </a:r>
-            <a:endParaRPr lang="en-US" dirty="0"/>
-          </a:p>
-        </p:txBody>
-      </p:sp>
-      <p:sp>
-        <p:nvSpPr>
-          <p:cNvPr id="3" name="Content Placeholder 2">
-            <a:extLst>
-              <a:ext uri="{FF2B5EF4-FFF2-40B4-BE49-F238E27FC236}">
-                <a16:creationId xmlns:a16="http://schemas.microsoft.com/office/drawing/2014/main" id="{9D3C37DD-D4C1-F1ED-7BB7-8B6931AC03FD}"/>
-              </a:ext>
-            </a:extLst>
-          </p:cNvPr>
-          <p:cNvSpPr>
-            <a:spLocks noGrp="1"/>
-          </p:cNvSpPr>
-          <p:nvPr>
-            <p:ph idx="1"/>
-          </p:nvPr>
-        </p:nvSpPr>
-        <p:spPr/>
-        <p:txBody>
-          <a:bodyPr/>
-          <a:lstStyle/>
-          <a:p>
-            <a:endParaRPr lang="en-US" dirty="0"/>
-          </a:p>
-        </p:txBody>
-      </p:sp>
-    </p:spTree>
-    <p:extLst>
-      <p:ext uri="{BB962C8B-B14F-4D97-AF65-F5344CB8AC3E}">
-        <p14:creationId xmlns:p14="http://schemas.microsoft.com/office/powerpoint/2010/main" val="2850673595"/>
-      </p:ext>
-    </p:extLst>
-  </p:cSld>
-  <p:clrMapOvr>
-    <a:masterClrMapping/>
-  </p:clrMapOvr>
-  <p:timing>
-    <p:tnLst>
-      <p:par>
-        <p:cTn id="1" dur="indefinite" restart="never" nodeType="tmRoot">
-          <p:childTnLst>
-            <p:seq concurrent="1" nextAc="seek">
-              <p:cTn id="2" dur="indefinite" nodeType="mainSeq">
-                <p:childTnLst>
-                  <p:par>
-                    <p:cTn id="3" fill="hold">
-                      <p:stCondLst>
-                        <p:cond delay="indefinite"/>
-                      </p:stCondLst>
-                      <p:childTnLst>
-                        <p:par>
-                          <p:cTn id="4" fill="hold">
-                            <p:stCondLst>
-                              <p:cond delay="0"/>
-                            </p:stCondLst>
-                            <p:childTnLst>
-                              <p:par>
-                                <p:cTn id="5" presetID="10" presetClass="entr" presetSubtype="0" fill="hold" grpId="0" nodeType="clickEffect" nodePh="1">
-                                  <p:stCondLst>
-                                    <p:cond delay="0"/>
-                                  </p:stCondLst>
-                                  <p:endCondLst>
-                                    <p:cond evt="begin" delay="0">
-                                      <p:tn val="5"/>
-                                    </p:cond>
-                                  </p:endCondLst>
-                                  <p:childTnLst>
-                                    <p:set>
-                                      <p:cBhvr>
-                                        <p:cTn id="6" dur="1" fill="hold">
-                                          <p:stCondLst>
-                                            <p:cond delay="0"/>
-                                          </p:stCondLst>
-                                        </p:cTn>
-                                        <p:tgtEl>
-                                          <p:spTgt spid="3">
-                                            <p:txEl>
-                                              <p:pRg st="0" end="0"/>
-                                            </p:txEl>
-                                          </p:spTgt>
-                                        </p:tgtEl>
-                                        <p:attrNameLst>
-                                          <p:attrName>style.visibility</p:attrName>
-                                        </p:attrNameLst>
-                                      </p:cBhvr>
-                                      <p:to>
-                                        <p:strVal val="visible"/>
-                                      </p:to>
-                                    </p:set>
-                                    <p:animEffect transition="in" filter="fade">
-                                      <p:cBhvr>
-                                        <p:cTn id="7" dur="500"/>
-                                        <p:tgtEl>
-                                          <p:spTgt spid="3">
-                                            <p:txEl>
-                                              <p:pRg st="0" end="0"/>
-                                            </p:txEl>
-                                          </p:spTgt>
-                                        </p:tgtEl>
-                                      </p:cBhvr>
-                                    </p:animEffect>
-                                  </p:childTnLst>
-                                </p:cTn>
-                              </p:par>
-                            </p:childTnLst>
-                          </p:cTn>
-                        </p:par>
-                      </p:childTnLst>
-                    </p:cTn>
-                  </p:par>
-                </p:childTnLst>
-              </p:cTn>
-              <p:prevCondLst>
-                <p:cond evt="onPrev" delay="0">
-                  <p:tgtEl>
-                    <p:sldTgt/>
-                  </p:tgtEl>
-                </p:cond>
-              </p:prevCondLst>
-              <p:nextCondLst>
-                <p:cond evt="onNext" delay="0">
-                  <p:tgtEl>
-                    <p:sldTgt/>
-                  </p:tgtEl>
-                </p:cond>
-              </p:nextCondLst>
-            </p:seq>
-          </p:childTnLst>
-        </p:cTn>
-      </p:par>
-    </p:tnLst>
-    <p:bldLst>
-      <p:bldP spid="3" grpId="0" build="p"/>
-    </p:bldLst>
   </p:timing>
 </p:sld>
 </file>
